--- a/charte-graphique.pptx
+++ b/charte-graphique.pptx
@@ -264,7 +264,7 @@
           <a:p>
             <a:fld id="{7A836A48-87BD-4E6F-9D11-14D1A92D3165}" type="datetimeFigureOut">
               <a:rPr lang="fr-FR" smtClean="0"/>
-              <a:t>17/05/2021</a:t>
+              <a:t>25/05/2021</a:t>
             </a:fld>
             <a:endParaRPr lang="fr-FR"/>
           </a:p>
@@ -462,7 +462,7 @@
           <a:p>
             <a:fld id="{7A836A48-87BD-4E6F-9D11-14D1A92D3165}" type="datetimeFigureOut">
               <a:rPr lang="fr-FR" smtClean="0"/>
-              <a:t>17/05/2021</a:t>
+              <a:t>25/05/2021</a:t>
             </a:fld>
             <a:endParaRPr lang="fr-FR"/>
           </a:p>
@@ -670,7 +670,7 @@
           <a:p>
             <a:fld id="{7A836A48-87BD-4E6F-9D11-14D1A92D3165}" type="datetimeFigureOut">
               <a:rPr lang="fr-FR" smtClean="0"/>
-              <a:t>17/05/2021</a:t>
+              <a:t>25/05/2021</a:t>
             </a:fld>
             <a:endParaRPr lang="fr-FR"/>
           </a:p>
@@ -868,7 +868,7 @@
           <a:p>
             <a:fld id="{7A836A48-87BD-4E6F-9D11-14D1A92D3165}" type="datetimeFigureOut">
               <a:rPr lang="fr-FR" smtClean="0"/>
-              <a:t>17/05/2021</a:t>
+              <a:t>25/05/2021</a:t>
             </a:fld>
             <a:endParaRPr lang="fr-FR"/>
           </a:p>
@@ -1143,7 +1143,7 @@
           <a:p>
             <a:fld id="{7A836A48-87BD-4E6F-9D11-14D1A92D3165}" type="datetimeFigureOut">
               <a:rPr lang="fr-FR" smtClean="0"/>
-              <a:t>17/05/2021</a:t>
+              <a:t>25/05/2021</a:t>
             </a:fld>
             <a:endParaRPr lang="fr-FR"/>
           </a:p>
@@ -1408,7 +1408,7 @@
           <a:p>
             <a:fld id="{7A836A48-87BD-4E6F-9D11-14D1A92D3165}" type="datetimeFigureOut">
               <a:rPr lang="fr-FR" smtClean="0"/>
-              <a:t>17/05/2021</a:t>
+              <a:t>25/05/2021</a:t>
             </a:fld>
             <a:endParaRPr lang="fr-FR"/>
           </a:p>
@@ -1825,7 +1825,7 @@
           <a:p>
             <a:fld id="{7A836A48-87BD-4E6F-9D11-14D1A92D3165}" type="datetimeFigureOut">
               <a:rPr lang="fr-FR" smtClean="0"/>
-              <a:t>17/05/2021</a:t>
+              <a:t>25/05/2021</a:t>
             </a:fld>
             <a:endParaRPr lang="fr-FR"/>
           </a:p>
@@ -1971,7 +1971,7 @@
           <a:p>
             <a:fld id="{7A836A48-87BD-4E6F-9D11-14D1A92D3165}" type="datetimeFigureOut">
               <a:rPr lang="fr-FR" smtClean="0"/>
-              <a:t>17/05/2021</a:t>
+              <a:t>25/05/2021</a:t>
             </a:fld>
             <a:endParaRPr lang="fr-FR"/>
           </a:p>
@@ -2084,7 +2084,7 @@
           <a:p>
             <a:fld id="{7A836A48-87BD-4E6F-9D11-14D1A92D3165}" type="datetimeFigureOut">
               <a:rPr lang="fr-FR" smtClean="0"/>
-              <a:t>17/05/2021</a:t>
+              <a:t>25/05/2021</a:t>
             </a:fld>
             <a:endParaRPr lang="fr-FR"/>
           </a:p>
@@ -2395,7 +2395,7 @@
           <a:p>
             <a:fld id="{7A836A48-87BD-4E6F-9D11-14D1A92D3165}" type="datetimeFigureOut">
               <a:rPr lang="fr-FR" smtClean="0"/>
-              <a:t>17/05/2021</a:t>
+              <a:t>25/05/2021</a:t>
             </a:fld>
             <a:endParaRPr lang="fr-FR"/>
           </a:p>
@@ -2688,7 +2688,7 @@
           <a:p>
             <a:fld id="{7A836A48-87BD-4E6F-9D11-14D1A92D3165}" type="datetimeFigureOut">
               <a:rPr lang="fr-FR" smtClean="0"/>
-              <a:t>17/05/2021</a:t>
+              <a:t>25/05/2021</a:t>
             </a:fld>
             <a:endParaRPr lang="fr-FR"/>
           </a:p>
@@ -2929,7 +2929,7 @@
           <a:p>
             <a:fld id="{7A836A48-87BD-4E6F-9D11-14D1A92D3165}" type="datetimeFigureOut">
               <a:rPr lang="fr-FR" smtClean="0"/>
-              <a:t>17/05/2021</a:t>
+              <a:t>25/05/2021</a:t>
             </a:fld>
             <a:endParaRPr lang="fr-FR"/>
           </a:p>
